--- a/提出用ファイル/215_はまぐり.pptx
+++ b/提出用ファイル/215_はまぐり.pptx
@@ -3797,24 +3797,8 @@
           <a:lstStyle/>
           <a:p>
             <a:r>
-              <a:rPr lang="ja-JP" altLang="en-US" sz="1400" dirty="0" smtClean="0"/>
-              <a:t>ゲームコース</a:t>
-            </a:r>
-            <a:r>
               <a:rPr lang="ja-JP" altLang="en-US" sz="1400" dirty="0"/>
-              <a:t>　</a:t>
-            </a:r>
-            <a:r>
-              <a:rPr lang="ja-JP" altLang="en-US" sz="1400" dirty="0" smtClean="0"/>
-              <a:t>２年</a:t>
-            </a:r>
-            <a:r>
-              <a:rPr lang="ja-JP" altLang="en-US" sz="1400" dirty="0"/>
-              <a:t>　</a:t>
-            </a:r>
-            <a:r>
-              <a:rPr lang="ja-JP" altLang="en-US" sz="1400" dirty="0" smtClean="0"/>
-              <a:t>神崎　太志</a:t>
+              <a:t>ゲームコース　２年　神崎　太志</a:t>
             </a:r>
             <a:endParaRPr kumimoji="1" lang="ja-JP" altLang="en-US" sz="1400" dirty="0"/>
           </a:p>
@@ -3843,7 +3827,7 @@
           <a:lstStyle/>
           <a:p>
             <a:r>
-              <a:rPr lang="ja-JP" altLang="en-US" sz="1400" dirty="0" smtClean="0"/>
+              <a:rPr lang="ja-JP" altLang="en-US" sz="1400" dirty="0"/>
               <a:t>異世界乱闘</a:t>
             </a:r>
             <a:endParaRPr kumimoji="1" lang="ja-JP" altLang="en-US" sz="1400" dirty="0"/>
@@ -3873,7 +3857,7 @@
           <a:lstStyle/>
           <a:p>
             <a:r>
-              <a:rPr lang="ja-JP" altLang="en-US" sz="1400" dirty="0" smtClean="0"/>
+              <a:rPr lang="ja-JP" altLang="en-US" sz="1400" dirty="0"/>
               <a:t>格闘ゲームのようなもの</a:t>
             </a:r>
             <a:endParaRPr kumimoji="1" lang="ja-JP" altLang="en-US" sz="1400" dirty="0"/>
@@ -3903,10 +3887,9 @@
           <a:lstStyle/>
           <a:p>
             <a:r>
-              <a:rPr lang="ja-JP" altLang="en-US" sz="1400" dirty="0" smtClean="0"/>
+              <a:rPr lang="ja-JP" altLang="en-US" sz="1400" dirty="0"/>
               <a:t>ゲーム専攻科　２年　秋山　裕</a:t>
             </a:r>
-            <a:endParaRPr lang="ja-JP" altLang="en-US" sz="1400" dirty="0"/>
           </a:p>
         </p:txBody>
       </p:sp>
@@ -3933,7 +3916,7 @@
           <a:lstStyle/>
           <a:p>
             <a:r>
-              <a:rPr lang="ja-JP" altLang="en-US" sz="1400" dirty="0" smtClean="0"/>
+              <a:rPr lang="ja-JP" altLang="en-US" sz="1400" dirty="0"/>
               <a:t>ゲーム専攻科　２年　石橋　雄貴</a:t>
             </a:r>
             <a:endParaRPr kumimoji="1" lang="ja-JP" altLang="en-US" sz="1400" dirty="0"/>
@@ -3963,19 +3946,15 @@
           <a:lstStyle/>
           <a:p>
             <a:r>
-              <a:rPr kumimoji="1" lang="ja-JP" altLang="en-US" sz="1400" dirty="0" smtClean="0"/>
+              <a:rPr kumimoji="1" lang="ja-JP" altLang="en-US" sz="1400" dirty="0"/>
               <a:t>僕たちが１年間学んだことを生かして、精いっぱい丹精込めて作り上げました。</a:t>
             </a:r>
-            <a:endParaRPr kumimoji="1" lang="en-US" altLang="ja-JP" sz="1400" dirty="0" smtClean="0"/>
+            <a:endParaRPr kumimoji="1" lang="en-US" altLang="ja-JP" sz="1400" dirty="0"/>
           </a:p>
           <a:p>
             <a:r>
               <a:rPr lang="ja-JP" altLang="en-US" sz="1400" dirty="0"/>
-              <a:t>楽</a:t>
-            </a:r>
-            <a:r>
-              <a:rPr lang="ja-JP" altLang="en-US" sz="1400" dirty="0" smtClean="0"/>
-              <a:t>しんでもらえると幸いです。</a:t>
+              <a:t>楽しんでもらえると幸いです。</a:t>
             </a:r>
             <a:endParaRPr kumimoji="1" lang="ja-JP" altLang="en-US" sz="1400" dirty="0"/>
           </a:p>
@@ -4053,19 +4032,19 @@
           <a:p>
             <a:pPr algn="ctr"/>
             <a:r>
-              <a:rPr kumimoji="1" lang="en-US" altLang="ja-JP" dirty="0" smtClean="0">
+              <a:rPr kumimoji="1" lang="en-US" altLang="ja-JP" dirty="0">
                 <a:ea typeface="ＭＳ Ｐゴシック"/>
               </a:rPr>
               <a:t>QR</a:t>
             </a:r>
             <a:r>
-              <a:rPr kumimoji="1" lang="ja-JP" altLang="en-US" dirty="0" err="1" smtClean="0">
+              <a:rPr kumimoji="1" lang="ja-JP" altLang="en-US" dirty="0" err="1">
                 <a:ea typeface="ＭＳ Ｐゴシック"/>
               </a:rPr>
               <a:t>のような</a:t>
             </a:r>
             <a:r>
-              <a:rPr kumimoji="1" lang="ja-JP" altLang="en-US" dirty="0" smtClean="0">
+              <a:rPr kumimoji="1" lang="ja-JP" altLang="en-US" dirty="0">
                 <a:ea typeface="ＭＳ Ｐゴシック"/>
               </a:rPr>
               <a:t>もの</a:t>
@@ -4074,6 +4053,42 @@
           </a:p>
         </p:txBody>
       </p:sp>
+      <p:pic>
+        <p:nvPicPr>
+          <p:cNvPr id="4" name="図 3">
+            <a:extLst>
+              <a:ext uri="{FF2B5EF4-FFF2-40B4-BE49-F238E27FC236}">
+                <a16:creationId xmlns:a16="http://schemas.microsoft.com/office/drawing/2014/main" id="{D66F5E99-32AD-4270-AB42-4F54B9933D07}"/>
+              </a:ext>
+            </a:extLst>
+          </p:cNvPr>
+          <p:cNvPicPr>
+            <a:picLocks noChangeAspect="1"/>
+          </p:cNvPicPr>
+          <p:nvPr/>
+        </p:nvPicPr>
+        <p:blipFill>
+          <a:blip r:embed="rId2">
+            <a:extLst>
+              <a:ext uri="{28A0092B-C50C-407E-A947-70E740481C1C}">
+                <a14:useLocalDpi xmlns:a14="http://schemas.microsoft.com/office/drawing/2010/main" val="0"/>
+              </a:ext>
+            </a:extLst>
+          </a:blip>
+          <a:stretch>
+            <a:fillRect/>
+          </a:stretch>
+        </p:blipFill>
+        <p:spPr>
+          <a:xfrm>
+            <a:off x="338642" y="838492"/>
+            <a:ext cx="6109783" cy="3419184"/>
+          </a:xfrm>
+          <a:prstGeom prst="rect">
+            <a:avLst/>
+          </a:prstGeom>
+        </p:spPr>
+      </p:pic>
     </p:spTree>
     <p:extLst>
       <p:ext uri="{BB962C8B-B14F-4D97-AF65-F5344CB8AC3E}">
@@ -4349,6 +4364,21 @@
 </file>
 
 <file path=customXml/item1.xml><?xml version="1.0" encoding="utf-8"?>
+<p:properties xmlns:p="http://schemas.microsoft.com/office/2006/metadata/properties" xmlns:xsi="http://www.w3.org/2001/XMLSchema-instance" xmlns:pc="http://schemas.microsoft.com/office/infopath/2007/PartnerControls">
+  <documentManagement/>
+</p:properties>
+</file>
+
+<file path=customXml/item2.xml><?xml version="1.0" encoding="utf-8"?>
+<?mso-contentType ?>
+<FormTemplates xmlns="http://schemas.microsoft.com/sharepoint/v3/contenttype/forms">
+  <Display>DocumentLibraryForm</Display>
+  <Edit>DocumentLibraryForm</Edit>
+  <New>DocumentLibraryForm</New>
+</FormTemplates>
+</file>
+
+<file path=customXml/item3.xml><?xml version="1.0" encoding="utf-8"?>
 <ct:contentTypeSchema xmlns:ct="http://schemas.microsoft.com/office/2006/metadata/contentType" xmlns:ma="http://schemas.microsoft.com/office/2006/metadata/properties/metaAttributes" ct:_="" ma:_="" ma:contentTypeName="ドキュメント" ma:contentTypeID="0x010100C2961D859B1A8B4697EC07BF3C3DAD3B" ma:contentTypeVersion="4" ma:contentTypeDescription="新しいドキュメントを作成します。" ma:contentTypeScope="" ma:versionID="d905b8fd267481716e4ddb5748f26a6b">
   <xsd:schema xmlns:xsd="http://www.w3.org/2001/XMLSchema" xmlns:xs="http://www.w3.org/2001/XMLSchema" xmlns:p="http://schemas.microsoft.com/office/2006/metadata/properties" xmlns:ns2="02709b60-37ec-424b-b681-c6612ac7fe32" xmlns:ns3="f9048785-d070-4c78-8f2f-ed2b48eb345c" targetNamespace="http://schemas.microsoft.com/office/2006/metadata/properties" ma:root="true" ma:fieldsID="496056635cbca25273c0ad558be424b7" ns2:_="" ns3:_="">
     <xsd:import namespace="02709b60-37ec-424b-b681-c6612ac7fe32"/>
@@ -4513,22 +4543,24 @@
 </ct:contentTypeSchema>
 </file>
 
-<file path=customXml/item2.xml><?xml version="1.0" encoding="utf-8"?>
-<?mso-contentType ?>
-<FormTemplates xmlns="http://schemas.microsoft.com/sharepoint/v3/contenttype/forms">
-  <Display>DocumentLibraryForm</Display>
-  <Edit>DocumentLibraryForm</Edit>
-  <New>DocumentLibraryForm</New>
-</FormTemplates>
+<file path=customXml/itemProps1.xml><?xml version="1.0" encoding="utf-8"?>
+<ds:datastoreItem xmlns:ds="http://schemas.openxmlformats.org/officeDocument/2006/customXml" ds:itemID="{AF3E3745-5691-4964-B0EA-105ACF4E7E86}">
+  <ds:schemaRefs>
+    <ds:schemaRef ds:uri="http://schemas.microsoft.com/office/2006/metadata/properties"/>
+    <ds:schemaRef ds:uri="http://schemas.microsoft.com/office/infopath/2007/PartnerControls"/>
+  </ds:schemaRefs>
+</ds:datastoreItem>
 </file>
 
-<file path=customXml/item3.xml><?xml version="1.0" encoding="utf-8"?>
-<p:properties xmlns:p="http://schemas.microsoft.com/office/2006/metadata/properties" xmlns:xsi="http://www.w3.org/2001/XMLSchema-instance" xmlns:pc="http://schemas.microsoft.com/office/infopath/2007/PartnerControls">
-  <documentManagement/>
-</p:properties>
+<file path=customXml/itemProps2.xml><?xml version="1.0" encoding="utf-8"?>
+<ds:datastoreItem xmlns:ds="http://schemas.openxmlformats.org/officeDocument/2006/customXml" ds:itemID="{9BAFA694-163B-4471-A81E-3066ABE36709}">
+  <ds:schemaRefs>
+    <ds:schemaRef ds:uri="http://schemas.microsoft.com/sharepoint/v3/contenttype/forms"/>
+  </ds:schemaRefs>
+</ds:datastoreItem>
 </file>
 
-<file path=customXml/itemProps1.xml><?xml version="1.0" encoding="utf-8"?>
+<file path=customXml/itemProps3.xml><?xml version="1.0" encoding="utf-8"?>
 <ds:datastoreItem xmlns:ds="http://schemas.openxmlformats.org/officeDocument/2006/customXml" ds:itemID="{D220A753-C2A9-48A1-8FD6-8F4EE5AA9331}">
   <ds:schemaRefs>
     <ds:schemaRef ds:uri="http://schemas.microsoft.com/office/2006/metadata/contentType"/>
@@ -4545,21 +4577,4 @@
     <ds:schemaRef ds:uri="http://schemas.microsoft.com/internal/obd"/>
   </ds:schemaRefs>
 </ds:datastoreItem>
-</file>
-
-<file path=customXml/itemProps2.xml><?xml version="1.0" encoding="utf-8"?>
-<ds:datastoreItem xmlns:ds="http://schemas.openxmlformats.org/officeDocument/2006/customXml" ds:itemID="{9BAFA694-163B-4471-A81E-3066ABE36709}">
-  <ds:schemaRefs>
-    <ds:schemaRef ds:uri="http://schemas.microsoft.com/sharepoint/v3/contenttype/forms"/>
-  </ds:schemaRefs>
-</ds:datastoreItem>
-</file>
-
-<file path=customXml/itemProps3.xml><?xml version="1.0" encoding="utf-8"?>
-<ds:datastoreItem xmlns:ds="http://schemas.openxmlformats.org/officeDocument/2006/customXml" ds:itemID="{AF3E3745-5691-4964-B0EA-105ACF4E7E86}">
-  <ds:schemaRefs>
-    <ds:schemaRef ds:uri="http://schemas.microsoft.com/office/2006/metadata/properties"/>
-    <ds:schemaRef ds:uri="http://schemas.microsoft.com/office/infopath/2007/PartnerControls"/>
-  </ds:schemaRefs>
-</ds:datastoreItem>
 </file>
--- a/提出用ファイル/215_はまぐり.pptx
+++ b/提出用ファイル/215_はまぐり.pptx
@@ -4089,6 +4089,42 @@
           </a:prstGeom>
         </p:spPr>
       </p:pic>
+      <p:pic>
+        <p:nvPicPr>
+          <p:cNvPr id="5" name="図 4">
+            <a:extLst>
+              <a:ext uri="{FF2B5EF4-FFF2-40B4-BE49-F238E27FC236}">
+                <a16:creationId xmlns:a16="http://schemas.microsoft.com/office/drawing/2014/main" id="{A3A497CE-C77D-44A4-92C9-A58AEF850849}"/>
+              </a:ext>
+            </a:extLst>
+          </p:cNvPr>
+          <p:cNvPicPr>
+            <a:picLocks noChangeAspect="1"/>
+          </p:cNvPicPr>
+          <p:nvPr/>
+        </p:nvPicPr>
+        <p:blipFill>
+          <a:blip r:embed="rId3">
+            <a:extLst>
+              <a:ext uri="{28A0092B-C50C-407E-A947-70E740481C1C}">
+                <a14:useLocalDpi xmlns:a14="http://schemas.microsoft.com/office/drawing/2010/main" val="0"/>
+              </a:ext>
+            </a:extLst>
+          </a:blip>
+          <a:stretch>
+            <a:fillRect/>
+          </a:stretch>
+        </p:blipFill>
+        <p:spPr>
+          <a:xfrm>
+            <a:off x="4569769" y="5604613"/>
+            <a:ext cx="1614464" cy="1614464"/>
+          </a:xfrm>
+          <a:prstGeom prst="rect">
+            <a:avLst/>
+          </a:prstGeom>
+        </p:spPr>
+      </p:pic>
     </p:spTree>
     <p:extLst>
       <p:ext uri="{BB962C8B-B14F-4D97-AF65-F5344CB8AC3E}">
@@ -4364,21 +4400,6 @@
 </file>
 
 <file path=customXml/item1.xml><?xml version="1.0" encoding="utf-8"?>
-<p:properties xmlns:p="http://schemas.microsoft.com/office/2006/metadata/properties" xmlns:xsi="http://www.w3.org/2001/XMLSchema-instance" xmlns:pc="http://schemas.microsoft.com/office/infopath/2007/PartnerControls">
-  <documentManagement/>
-</p:properties>
-</file>
-
-<file path=customXml/item2.xml><?xml version="1.0" encoding="utf-8"?>
-<?mso-contentType ?>
-<FormTemplates xmlns="http://schemas.microsoft.com/sharepoint/v3/contenttype/forms">
-  <Display>DocumentLibraryForm</Display>
-  <Edit>DocumentLibraryForm</Edit>
-  <New>DocumentLibraryForm</New>
-</FormTemplates>
-</file>
-
-<file path=customXml/item3.xml><?xml version="1.0" encoding="utf-8"?>
 <ct:contentTypeSchema xmlns:ct="http://schemas.microsoft.com/office/2006/metadata/contentType" xmlns:ma="http://schemas.microsoft.com/office/2006/metadata/properties/metaAttributes" ct:_="" ma:_="" ma:contentTypeName="ドキュメント" ma:contentTypeID="0x010100C2961D859B1A8B4697EC07BF3C3DAD3B" ma:contentTypeVersion="4" ma:contentTypeDescription="新しいドキュメントを作成します。" ma:contentTypeScope="" ma:versionID="d905b8fd267481716e4ddb5748f26a6b">
   <xsd:schema xmlns:xsd="http://www.w3.org/2001/XMLSchema" xmlns:xs="http://www.w3.org/2001/XMLSchema" xmlns:p="http://schemas.microsoft.com/office/2006/metadata/properties" xmlns:ns2="02709b60-37ec-424b-b681-c6612ac7fe32" xmlns:ns3="f9048785-d070-4c78-8f2f-ed2b48eb345c" targetNamespace="http://schemas.microsoft.com/office/2006/metadata/properties" ma:root="true" ma:fieldsID="496056635cbca25273c0ad558be424b7" ns2:_="" ns3:_="">
     <xsd:import namespace="02709b60-37ec-424b-b681-c6612ac7fe32"/>
@@ -4543,24 +4564,22 @@
 </ct:contentTypeSchema>
 </file>
 
-<file path=customXml/itemProps1.xml><?xml version="1.0" encoding="utf-8"?>
-<ds:datastoreItem xmlns:ds="http://schemas.openxmlformats.org/officeDocument/2006/customXml" ds:itemID="{AF3E3745-5691-4964-B0EA-105ACF4E7E86}">
-  <ds:schemaRefs>
-    <ds:schemaRef ds:uri="http://schemas.microsoft.com/office/2006/metadata/properties"/>
-    <ds:schemaRef ds:uri="http://schemas.microsoft.com/office/infopath/2007/PartnerControls"/>
-  </ds:schemaRefs>
-</ds:datastoreItem>
+<file path=customXml/item2.xml><?xml version="1.0" encoding="utf-8"?>
+<?mso-contentType ?>
+<FormTemplates xmlns="http://schemas.microsoft.com/sharepoint/v3/contenttype/forms">
+  <Display>DocumentLibraryForm</Display>
+  <Edit>DocumentLibraryForm</Edit>
+  <New>DocumentLibraryForm</New>
+</FormTemplates>
 </file>
 
-<file path=customXml/itemProps2.xml><?xml version="1.0" encoding="utf-8"?>
-<ds:datastoreItem xmlns:ds="http://schemas.openxmlformats.org/officeDocument/2006/customXml" ds:itemID="{9BAFA694-163B-4471-A81E-3066ABE36709}">
-  <ds:schemaRefs>
-    <ds:schemaRef ds:uri="http://schemas.microsoft.com/sharepoint/v3/contenttype/forms"/>
-  </ds:schemaRefs>
-</ds:datastoreItem>
+<file path=customXml/item3.xml><?xml version="1.0" encoding="utf-8"?>
+<p:properties xmlns:p="http://schemas.microsoft.com/office/2006/metadata/properties" xmlns:xsi="http://www.w3.org/2001/XMLSchema-instance" xmlns:pc="http://schemas.microsoft.com/office/infopath/2007/PartnerControls">
+  <documentManagement/>
+</p:properties>
 </file>
 
-<file path=customXml/itemProps3.xml><?xml version="1.0" encoding="utf-8"?>
+<file path=customXml/itemProps1.xml><?xml version="1.0" encoding="utf-8"?>
 <ds:datastoreItem xmlns:ds="http://schemas.openxmlformats.org/officeDocument/2006/customXml" ds:itemID="{D220A753-C2A9-48A1-8FD6-8F4EE5AA9331}">
   <ds:schemaRefs>
     <ds:schemaRef ds:uri="http://schemas.microsoft.com/office/2006/metadata/contentType"/>
@@ -4577,4 +4596,21 @@
     <ds:schemaRef ds:uri="http://schemas.microsoft.com/internal/obd"/>
   </ds:schemaRefs>
 </ds:datastoreItem>
+</file>
+
+<file path=customXml/itemProps2.xml><?xml version="1.0" encoding="utf-8"?>
+<ds:datastoreItem xmlns:ds="http://schemas.openxmlformats.org/officeDocument/2006/customXml" ds:itemID="{9BAFA694-163B-4471-A81E-3066ABE36709}">
+  <ds:schemaRefs>
+    <ds:schemaRef ds:uri="http://schemas.microsoft.com/sharepoint/v3/contenttype/forms"/>
+  </ds:schemaRefs>
+</ds:datastoreItem>
+</file>
+
+<file path=customXml/itemProps3.xml><?xml version="1.0" encoding="utf-8"?>
+<ds:datastoreItem xmlns:ds="http://schemas.openxmlformats.org/officeDocument/2006/customXml" ds:itemID="{AF3E3745-5691-4964-B0EA-105ACF4E7E86}">
+  <ds:schemaRefs>
+    <ds:schemaRef ds:uri="http://schemas.microsoft.com/office/2006/metadata/properties"/>
+    <ds:schemaRef ds:uri="http://schemas.microsoft.com/office/infopath/2007/PartnerControls"/>
+  </ds:schemaRefs>
+</ds:datastoreItem>
 </file>
--- a/提出用ファイル/215_はまぐり.pptx
+++ b/提出用ファイル/215_はまぐり.pptx
@@ -280,7 +280,7 @@
           <a:p>
             <a:fld id="{A8A98465-64D1-4EBE-BEDE-FE44BBAE25FB}" type="datetimeFigureOut">
               <a:rPr kumimoji="1" lang="ja-JP" altLang="en-US" smtClean="0"/>
-              <a:t>2020/9/9</a:t>
+              <a:t>2020/9/10</a:t>
             </a:fld>
             <a:endParaRPr kumimoji="1" lang="ja-JP" altLang="en-US"/>
           </a:p>
@@ -482,7 +482,7 @@
           <a:p>
             <a:fld id="{A8A98465-64D1-4EBE-BEDE-FE44BBAE25FB}" type="datetimeFigureOut">
               <a:rPr kumimoji="1" lang="ja-JP" altLang="en-US" smtClean="0"/>
-              <a:t>2020/9/9</a:t>
+              <a:t>2020/9/10</a:t>
             </a:fld>
             <a:endParaRPr kumimoji="1" lang="ja-JP" altLang="en-US"/>
           </a:p>
@@ -694,7 +694,7 @@
           <a:p>
             <a:fld id="{A8A98465-64D1-4EBE-BEDE-FE44BBAE25FB}" type="datetimeFigureOut">
               <a:rPr kumimoji="1" lang="ja-JP" altLang="en-US" smtClean="0"/>
-              <a:t>2020/9/9</a:t>
+              <a:t>2020/9/10</a:t>
             </a:fld>
             <a:endParaRPr kumimoji="1" lang="ja-JP" altLang="en-US"/>
           </a:p>
@@ -1373,7 +1373,7 @@
           <a:p>
             <a:fld id="{A8A98465-64D1-4EBE-BEDE-FE44BBAE25FB}" type="datetimeFigureOut">
               <a:rPr kumimoji="1" lang="ja-JP" altLang="en-US" smtClean="0"/>
-              <a:t>2020/9/9</a:t>
+              <a:t>2020/9/10</a:t>
             </a:fld>
             <a:endParaRPr kumimoji="1" lang="ja-JP" altLang="en-US"/>
           </a:p>
@@ -1617,7 +1617,7 @@
           <a:p>
             <a:fld id="{A8A98465-64D1-4EBE-BEDE-FE44BBAE25FB}" type="datetimeFigureOut">
               <a:rPr kumimoji="1" lang="ja-JP" altLang="en-US" smtClean="0"/>
-              <a:t>2020/9/9</a:t>
+              <a:t>2020/9/10</a:t>
             </a:fld>
             <a:endParaRPr kumimoji="1" lang="ja-JP" altLang="en-US"/>
           </a:p>
@@ -1913,7 +1913,7 @@
           <a:p>
             <a:fld id="{A8A98465-64D1-4EBE-BEDE-FE44BBAE25FB}" type="datetimeFigureOut">
               <a:rPr kumimoji="1" lang="ja-JP" altLang="en-US" smtClean="0"/>
-              <a:t>2020/9/9</a:t>
+              <a:t>2020/9/10</a:t>
             </a:fld>
             <a:endParaRPr kumimoji="1" lang="ja-JP" altLang="en-US"/>
           </a:p>
@@ -2344,7 +2344,7 @@
           <a:p>
             <a:fld id="{A8A98465-64D1-4EBE-BEDE-FE44BBAE25FB}" type="datetimeFigureOut">
               <a:rPr kumimoji="1" lang="ja-JP" altLang="en-US" smtClean="0"/>
-              <a:t>2020/9/9</a:t>
+              <a:t>2020/9/10</a:t>
             </a:fld>
             <a:endParaRPr kumimoji="1" lang="ja-JP" altLang="en-US"/>
           </a:p>
@@ -2462,7 +2462,7 @@
           <a:p>
             <a:fld id="{A8A98465-64D1-4EBE-BEDE-FE44BBAE25FB}" type="datetimeFigureOut">
               <a:rPr kumimoji="1" lang="ja-JP" altLang="en-US" smtClean="0"/>
-              <a:t>2020/9/9</a:t>
+              <a:t>2020/9/10</a:t>
             </a:fld>
             <a:endParaRPr kumimoji="1" lang="ja-JP" altLang="en-US"/>
           </a:p>
@@ -2557,7 +2557,7 @@
           <a:p>
             <a:fld id="{A8A98465-64D1-4EBE-BEDE-FE44BBAE25FB}" type="datetimeFigureOut">
               <a:rPr kumimoji="1" lang="ja-JP" altLang="en-US" smtClean="0"/>
-              <a:t>2020/9/9</a:t>
+              <a:t>2020/9/10</a:t>
             </a:fld>
             <a:endParaRPr kumimoji="1" lang="ja-JP" altLang="en-US"/>
           </a:p>
@@ -2866,7 +2866,7 @@
           <a:p>
             <a:fld id="{A8A98465-64D1-4EBE-BEDE-FE44BBAE25FB}" type="datetimeFigureOut">
               <a:rPr kumimoji="1" lang="ja-JP" altLang="en-US" smtClean="0"/>
-              <a:t>2020/9/9</a:t>
+              <a:t>2020/9/10</a:t>
             </a:fld>
             <a:endParaRPr kumimoji="1" lang="ja-JP" altLang="en-US"/>
           </a:p>
@@ -3123,7 +3123,7 @@
           <a:p>
             <a:fld id="{A8A98465-64D1-4EBE-BEDE-FE44BBAE25FB}" type="datetimeFigureOut">
               <a:rPr kumimoji="1" lang="ja-JP" altLang="en-US" smtClean="0"/>
-              <a:t>2020/9/9</a:t>
+              <a:t>2020/9/10</a:t>
             </a:fld>
             <a:endParaRPr kumimoji="1" lang="ja-JP" altLang="en-US"/>
           </a:p>
@@ -3368,7 +3368,7 @@
           <a:p>
             <a:fld id="{A8A98465-64D1-4EBE-BEDE-FE44BBAE25FB}" type="datetimeFigureOut">
               <a:rPr kumimoji="1" lang="ja-JP" altLang="en-US" smtClean="0"/>
-              <a:t>2020/9/9</a:t>
+              <a:t>2020/9/10</a:t>
             </a:fld>
             <a:endParaRPr kumimoji="1" lang="ja-JP" altLang="en-US"/>
           </a:p>
@@ -4091,13 +4091,7 @@
       </p:pic>
       <p:pic>
         <p:nvPicPr>
-          <p:cNvPr id="5" name="図 4">
-            <a:extLst>
-              <a:ext uri="{FF2B5EF4-FFF2-40B4-BE49-F238E27FC236}">
-                <a16:creationId xmlns:a16="http://schemas.microsoft.com/office/drawing/2014/main" id="{A3A497CE-C77D-44A4-92C9-A58AEF850849}"/>
-              </a:ext>
-            </a:extLst>
-          </p:cNvPr>
+          <p:cNvPr id="3" name="図 2"/>
           <p:cNvPicPr>
             <a:picLocks noChangeAspect="1"/>
           </p:cNvPicPr>
@@ -4117,8 +4111,8 @@
         </p:blipFill>
         <p:spPr>
           <a:xfrm>
-            <a:off x="4569769" y="5604613"/>
-            <a:ext cx="1614464" cy="1614464"/>
+            <a:off x="4617963" y="5651415"/>
+            <a:ext cx="1545503" cy="1545503"/>
           </a:xfrm>
           <a:prstGeom prst="rect">
             <a:avLst/>
@@ -4400,6 +4394,21 @@
 </file>
 
 <file path=customXml/item1.xml><?xml version="1.0" encoding="utf-8"?>
+<p:properties xmlns:p="http://schemas.microsoft.com/office/2006/metadata/properties" xmlns:xsi="http://www.w3.org/2001/XMLSchema-instance" xmlns:pc="http://schemas.microsoft.com/office/infopath/2007/PartnerControls">
+  <documentManagement/>
+</p:properties>
+</file>
+
+<file path=customXml/item2.xml><?xml version="1.0" encoding="utf-8"?>
+<?mso-contentType ?>
+<FormTemplates xmlns="http://schemas.microsoft.com/sharepoint/v3/contenttype/forms">
+  <Display>DocumentLibraryForm</Display>
+  <Edit>DocumentLibraryForm</Edit>
+  <New>DocumentLibraryForm</New>
+</FormTemplates>
+</file>
+
+<file path=customXml/item3.xml><?xml version="1.0" encoding="utf-8"?>
 <ct:contentTypeSchema xmlns:ct="http://schemas.microsoft.com/office/2006/metadata/contentType" xmlns:ma="http://schemas.microsoft.com/office/2006/metadata/properties/metaAttributes" ct:_="" ma:_="" ma:contentTypeName="ドキュメント" ma:contentTypeID="0x010100C2961D859B1A8B4697EC07BF3C3DAD3B" ma:contentTypeVersion="4" ma:contentTypeDescription="新しいドキュメントを作成します。" ma:contentTypeScope="" ma:versionID="d905b8fd267481716e4ddb5748f26a6b">
   <xsd:schema xmlns:xsd="http://www.w3.org/2001/XMLSchema" xmlns:xs="http://www.w3.org/2001/XMLSchema" xmlns:p="http://schemas.microsoft.com/office/2006/metadata/properties" xmlns:ns2="02709b60-37ec-424b-b681-c6612ac7fe32" xmlns:ns3="f9048785-d070-4c78-8f2f-ed2b48eb345c" targetNamespace="http://schemas.microsoft.com/office/2006/metadata/properties" ma:root="true" ma:fieldsID="496056635cbca25273c0ad558be424b7" ns2:_="" ns3:_="">
     <xsd:import namespace="02709b60-37ec-424b-b681-c6612ac7fe32"/>
@@ -4564,22 +4573,24 @@
 </ct:contentTypeSchema>
 </file>
 
-<file path=customXml/item2.xml><?xml version="1.0" encoding="utf-8"?>
-<?mso-contentType ?>
-<FormTemplates xmlns="http://schemas.microsoft.com/sharepoint/v3/contenttype/forms">
-  <Display>DocumentLibraryForm</Display>
-  <Edit>DocumentLibraryForm</Edit>
-  <New>DocumentLibraryForm</New>
-</FormTemplates>
+<file path=customXml/itemProps1.xml><?xml version="1.0" encoding="utf-8"?>
+<ds:datastoreItem xmlns:ds="http://schemas.openxmlformats.org/officeDocument/2006/customXml" ds:itemID="{AF3E3745-5691-4964-B0EA-105ACF4E7E86}">
+  <ds:schemaRefs>
+    <ds:schemaRef ds:uri="http://schemas.microsoft.com/office/2006/metadata/properties"/>
+    <ds:schemaRef ds:uri="http://schemas.microsoft.com/office/infopath/2007/PartnerControls"/>
+  </ds:schemaRefs>
+</ds:datastoreItem>
 </file>
 
-<file path=customXml/item3.xml><?xml version="1.0" encoding="utf-8"?>
-<p:properties xmlns:p="http://schemas.microsoft.com/office/2006/metadata/properties" xmlns:xsi="http://www.w3.org/2001/XMLSchema-instance" xmlns:pc="http://schemas.microsoft.com/office/infopath/2007/PartnerControls">
-  <documentManagement/>
-</p:properties>
+<file path=customXml/itemProps2.xml><?xml version="1.0" encoding="utf-8"?>
+<ds:datastoreItem xmlns:ds="http://schemas.openxmlformats.org/officeDocument/2006/customXml" ds:itemID="{9BAFA694-163B-4471-A81E-3066ABE36709}">
+  <ds:schemaRefs>
+    <ds:schemaRef ds:uri="http://schemas.microsoft.com/sharepoint/v3/contenttype/forms"/>
+  </ds:schemaRefs>
+</ds:datastoreItem>
 </file>
 
-<file path=customXml/itemProps1.xml><?xml version="1.0" encoding="utf-8"?>
+<file path=customXml/itemProps3.xml><?xml version="1.0" encoding="utf-8"?>
 <ds:datastoreItem xmlns:ds="http://schemas.openxmlformats.org/officeDocument/2006/customXml" ds:itemID="{D220A753-C2A9-48A1-8FD6-8F4EE5AA9331}">
   <ds:schemaRefs>
     <ds:schemaRef ds:uri="http://schemas.microsoft.com/office/2006/metadata/contentType"/>
@@ -4596,21 +4607,4 @@
     <ds:schemaRef ds:uri="http://schemas.microsoft.com/internal/obd"/>
   </ds:schemaRefs>
 </ds:datastoreItem>
-</file>
-
-<file path=customXml/itemProps2.xml><?xml version="1.0" encoding="utf-8"?>
-<ds:datastoreItem xmlns:ds="http://schemas.openxmlformats.org/officeDocument/2006/customXml" ds:itemID="{9BAFA694-163B-4471-A81E-3066ABE36709}">
-  <ds:schemaRefs>
-    <ds:schemaRef ds:uri="http://schemas.microsoft.com/sharepoint/v3/contenttype/forms"/>
-  </ds:schemaRefs>
-</ds:datastoreItem>
-</file>
-
-<file path=customXml/itemProps3.xml><?xml version="1.0" encoding="utf-8"?>
-<ds:datastoreItem xmlns:ds="http://schemas.openxmlformats.org/officeDocument/2006/customXml" ds:itemID="{AF3E3745-5691-4964-B0EA-105ACF4E7E86}">
-  <ds:schemaRefs>
-    <ds:schemaRef ds:uri="http://schemas.microsoft.com/office/2006/metadata/properties"/>
-    <ds:schemaRef ds:uri="http://schemas.microsoft.com/office/infopath/2007/PartnerControls"/>
-  </ds:schemaRefs>
-</ds:datastoreItem>
 </file>